--- a/docs/schema.pptx
+++ b/docs/schema.pptx
@@ -105,6 +105,11 @@
       </a:defRPr>
     </a:lvl9pPr>
   </p:defaultTextStyle>
+  <p:extLst>
+    <p:ext uri="{EFAFB233-063F-42B5-8137-9DF3F51BA10A}">
+      <p15:sldGuideLst xmlns:p15="http://schemas.microsoft.com/office/powerpoint/2012/main"/>
+    </p:ext>
+  </p:extLst>
 </p:presentation>
 </file>
 
@@ -257,7 +262,7 @@
           <a:p>
             <a:fld id="{4CCB6657-6D1C-F144-ACB3-C6F45EBB5883}" type="datetimeFigureOut">
               <a:rPr lang="en-US" smtClean="0"/>
-              <a:t>5/28/19</a:t>
+              <a:t>6/13/19</a:t>
             </a:fld>
             <a:endParaRPr lang="en-US"/>
           </a:p>
@@ -457,7 +462,7 @@
           <a:p>
             <a:fld id="{4CCB6657-6D1C-F144-ACB3-C6F45EBB5883}" type="datetimeFigureOut">
               <a:rPr lang="en-US" smtClean="0"/>
-              <a:t>5/28/19</a:t>
+              <a:t>6/13/19</a:t>
             </a:fld>
             <a:endParaRPr lang="en-US"/>
           </a:p>
@@ -667,7 +672,7 @@
           <a:p>
             <a:fld id="{4CCB6657-6D1C-F144-ACB3-C6F45EBB5883}" type="datetimeFigureOut">
               <a:rPr lang="en-US" smtClean="0"/>
-              <a:t>5/28/19</a:t>
+              <a:t>6/13/19</a:t>
             </a:fld>
             <a:endParaRPr lang="en-US"/>
           </a:p>
@@ -867,7 +872,7 @@
           <a:p>
             <a:fld id="{4CCB6657-6D1C-F144-ACB3-C6F45EBB5883}" type="datetimeFigureOut">
               <a:rPr lang="en-US" smtClean="0"/>
-              <a:t>5/28/19</a:t>
+              <a:t>6/13/19</a:t>
             </a:fld>
             <a:endParaRPr lang="en-US"/>
           </a:p>
@@ -1143,7 +1148,7 @@
           <a:p>
             <a:fld id="{4CCB6657-6D1C-F144-ACB3-C6F45EBB5883}" type="datetimeFigureOut">
               <a:rPr lang="en-US" smtClean="0"/>
-              <a:t>5/28/19</a:t>
+              <a:t>6/13/19</a:t>
             </a:fld>
             <a:endParaRPr lang="en-US"/>
           </a:p>
@@ -1411,7 +1416,7 @@
           <a:p>
             <a:fld id="{4CCB6657-6D1C-F144-ACB3-C6F45EBB5883}" type="datetimeFigureOut">
               <a:rPr lang="en-US" smtClean="0"/>
-              <a:t>5/28/19</a:t>
+              <a:t>6/13/19</a:t>
             </a:fld>
             <a:endParaRPr lang="en-US"/>
           </a:p>
@@ -1826,7 +1831,7 @@
           <a:p>
             <a:fld id="{4CCB6657-6D1C-F144-ACB3-C6F45EBB5883}" type="datetimeFigureOut">
               <a:rPr lang="en-US" smtClean="0"/>
-              <a:t>5/28/19</a:t>
+              <a:t>6/13/19</a:t>
             </a:fld>
             <a:endParaRPr lang="en-US"/>
           </a:p>
@@ -1968,7 +1973,7 @@
           <a:p>
             <a:fld id="{4CCB6657-6D1C-F144-ACB3-C6F45EBB5883}" type="datetimeFigureOut">
               <a:rPr lang="en-US" smtClean="0"/>
-              <a:t>5/28/19</a:t>
+              <a:t>6/13/19</a:t>
             </a:fld>
             <a:endParaRPr lang="en-US"/>
           </a:p>
@@ -2081,7 +2086,7 @@
           <a:p>
             <a:fld id="{4CCB6657-6D1C-F144-ACB3-C6F45EBB5883}" type="datetimeFigureOut">
               <a:rPr lang="en-US" smtClean="0"/>
-              <a:t>5/28/19</a:t>
+              <a:t>6/13/19</a:t>
             </a:fld>
             <a:endParaRPr lang="en-US"/>
           </a:p>
@@ -2394,7 +2399,7 @@
           <a:p>
             <a:fld id="{4CCB6657-6D1C-F144-ACB3-C6F45EBB5883}" type="datetimeFigureOut">
               <a:rPr lang="en-US" smtClean="0"/>
-              <a:t>5/28/19</a:t>
+              <a:t>6/13/19</a:t>
             </a:fld>
             <a:endParaRPr lang="en-US"/>
           </a:p>
@@ -2683,7 +2688,7 @@
           <a:p>
             <a:fld id="{4CCB6657-6D1C-F144-ACB3-C6F45EBB5883}" type="datetimeFigureOut">
               <a:rPr lang="en-US" smtClean="0"/>
-              <a:t>5/28/19</a:t>
+              <a:t>6/13/19</a:t>
             </a:fld>
             <a:endParaRPr lang="en-US"/>
           </a:p>
@@ -2926,7 +2931,7 @@
           <a:p>
             <a:fld id="{4CCB6657-6D1C-F144-ACB3-C6F45EBB5883}" type="datetimeFigureOut">
               <a:rPr lang="en-US" smtClean="0"/>
-              <a:t>5/28/19</a:t>
+              <a:t>6/13/19</a:t>
             </a:fld>
             <a:endParaRPr lang="en-US"/>
           </a:p>
@@ -3345,6 +3350,42 @@
       </p:grpSpPr>
       <p:pic>
         <p:nvPicPr>
+          <p:cNvPr id="23" name="Graphic 22" descr="Line arrow: Straight">
+            <a:extLst>
+              <a:ext uri="{FF2B5EF4-FFF2-40B4-BE49-F238E27FC236}">
+                <a16:creationId xmlns:a16="http://schemas.microsoft.com/office/drawing/2014/main" id="{3D844D82-684B-6F42-ACE3-A04D1736E1C5}"/>
+              </a:ext>
+            </a:extLst>
+          </p:cNvPr>
+          <p:cNvPicPr>
+            <a:picLocks noChangeAspect="1"/>
+          </p:cNvPicPr>
+          <p:nvPr/>
+        </p:nvPicPr>
+        <p:blipFill>
+          <a:blip r:embed="rId2">
+            <a:extLst>
+              <a:ext uri="{96DAC541-7B7A-43D3-8B79-37D633B846F1}">
+                <asvg:svgBlip xmlns:asvg="http://schemas.microsoft.com/office/drawing/2016/SVG/main" r:embed="rId3"/>
+              </a:ext>
+            </a:extLst>
+          </a:blip>
+          <a:stretch>
+            <a:fillRect/>
+          </a:stretch>
+        </p:blipFill>
+        <p:spPr>
+          <a:xfrm rot="10800000" flipH="1">
+            <a:off x="5508923" y="1429765"/>
+            <a:ext cx="1293159" cy="914400"/>
+          </a:xfrm>
+          <a:prstGeom prst="rect">
+            <a:avLst/>
+          </a:prstGeom>
+        </p:spPr>
+      </p:pic>
+      <p:pic>
+        <p:nvPicPr>
           <p:cNvPr id="7" name="Graphic 6" descr="Line arrow: Straight">
             <a:extLst>
               <a:ext uri="{FF2B5EF4-FFF2-40B4-BE49-F238E27FC236}">
@@ -3443,7 +3484,7 @@
         </p:blipFill>
         <p:spPr>
           <a:xfrm>
-            <a:off x="5075725" y="1190127"/>
+            <a:off x="4553904" y="1221443"/>
             <a:ext cx="914400" cy="914400"/>
           </a:xfrm>
           <a:prstGeom prst="rect">
@@ -3514,8 +3555,8 @@
           </a:stretch>
         </p:blipFill>
         <p:spPr>
-          <a:xfrm>
-            <a:off x="6368883" y="1221443"/>
+          <a:xfrm flipH="1">
+            <a:off x="6830620" y="1221443"/>
             <a:ext cx="914400" cy="914400"/>
           </a:xfrm>
           <a:prstGeom prst="rect">
@@ -3882,6 +3923,144 @@
             <a:r>
               <a:rPr lang="en-US" dirty="0"/>
               <a:t>Satellites in constellations</a:t>
+            </a:r>
+          </a:p>
+        </p:txBody>
+      </p:sp>
+      <p:pic>
+        <p:nvPicPr>
+          <p:cNvPr id="20" name="Graphic 19" descr="Line arrow: Straight">
+            <a:extLst>
+              <a:ext uri="{FF2B5EF4-FFF2-40B4-BE49-F238E27FC236}">
+                <a16:creationId xmlns:a16="http://schemas.microsoft.com/office/drawing/2014/main" id="{42864E01-F540-9D47-9A8D-EAF94A58C0C9}"/>
+              </a:ext>
+            </a:extLst>
+          </p:cNvPr>
+          <p:cNvPicPr>
+            <a:picLocks noChangeAspect="1"/>
+          </p:cNvPicPr>
+          <p:nvPr/>
+        </p:nvPicPr>
+        <p:blipFill>
+          <a:blip r:embed="rId2">
+            <a:extLst>
+              <a:ext uri="{96DAC541-7B7A-43D3-8B79-37D633B846F1}">
+                <asvg:svgBlip xmlns:asvg="http://schemas.microsoft.com/office/drawing/2016/SVG/main" r:embed="rId3"/>
+              </a:ext>
+            </a:extLst>
+          </a:blip>
+          <a:stretch>
+            <a:fillRect/>
+          </a:stretch>
+        </p:blipFill>
+        <p:spPr>
+          <a:xfrm rot="10800000">
+            <a:off x="5811237" y="1432816"/>
+            <a:ext cx="976611" cy="914400"/>
+          </a:xfrm>
+          <a:prstGeom prst="rect">
+            <a:avLst/>
+          </a:prstGeom>
+        </p:spPr>
+      </p:pic>
+      <p:sp>
+        <p:nvSpPr>
+          <p:cNvPr id="2" name="Rectangle 1">
+            <a:extLst>
+              <a:ext uri="{FF2B5EF4-FFF2-40B4-BE49-F238E27FC236}">
+                <a16:creationId xmlns:a16="http://schemas.microsoft.com/office/drawing/2014/main" id="{259554A6-9732-014C-86B7-65A6A4908914}"/>
+              </a:ext>
+            </a:extLst>
+          </p:cNvPr>
+          <p:cNvSpPr/>
+          <p:nvPr/>
+        </p:nvSpPr>
+        <p:spPr>
+          <a:xfrm>
+            <a:off x="5819827" y="1479908"/>
+            <a:ext cx="724878" cy="369332"/>
+          </a:xfrm>
+          <a:prstGeom prst="rect">
+            <a:avLst/>
+          </a:prstGeom>
+        </p:spPr>
+        <p:txBody>
+          <a:bodyPr wrap="none">
+            <a:spAutoFit/>
+          </a:bodyPr>
+          <a:lstStyle/>
+          <a:p>
+            <a:r>
+              <a:rPr lang="en-US" dirty="0"/>
+              <a:t>sp2sp</a:t>
+            </a:r>
+          </a:p>
+        </p:txBody>
+      </p:sp>
+      <p:sp>
+        <p:nvSpPr>
+          <p:cNvPr id="28" name="Rectangle 27">
+            <a:extLst>
+              <a:ext uri="{FF2B5EF4-FFF2-40B4-BE49-F238E27FC236}">
+                <a16:creationId xmlns:a16="http://schemas.microsoft.com/office/drawing/2014/main" id="{0CA52794-8313-C542-9286-A02DB36BB96B}"/>
+              </a:ext>
+            </a:extLst>
+          </p:cNvPr>
+          <p:cNvSpPr/>
+          <p:nvPr/>
+        </p:nvSpPr>
+        <p:spPr>
+          <a:xfrm>
+            <a:off x="8285257" y="2449280"/>
+            <a:ext cx="805029" cy="369332"/>
+          </a:xfrm>
+          <a:prstGeom prst="rect">
+            <a:avLst/>
+          </a:prstGeom>
+        </p:spPr>
+        <p:txBody>
+          <a:bodyPr wrap="none">
+            <a:spAutoFit/>
+          </a:bodyPr>
+          <a:lstStyle/>
+          <a:p>
+            <a:r>
+              <a:rPr lang="en-US" dirty="0"/>
+              <a:t>usr2sp</a:t>
+            </a:r>
+          </a:p>
+        </p:txBody>
+      </p:sp>
+      <p:sp>
+        <p:nvSpPr>
+          <p:cNvPr id="29" name="Rectangle 28">
+            <a:extLst>
+              <a:ext uri="{FF2B5EF4-FFF2-40B4-BE49-F238E27FC236}">
+                <a16:creationId xmlns:a16="http://schemas.microsoft.com/office/drawing/2014/main" id="{6EF54802-E342-4D4E-BBE3-56D0CCA877C8}"/>
+              </a:ext>
+            </a:extLst>
+          </p:cNvPr>
+          <p:cNvSpPr/>
+          <p:nvPr/>
+        </p:nvSpPr>
+        <p:spPr>
+          <a:xfrm>
+            <a:off x="3199755" y="2413090"/>
+            <a:ext cx="702436" cy="369332"/>
+          </a:xfrm>
+          <a:prstGeom prst="rect">
+            <a:avLst/>
+          </a:prstGeom>
+        </p:spPr>
+        <p:txBody>
+          <a:bodyPr wrap="none">
+            <a:spAutoFit/>
+          </a:bodyPr>
+          <a:lstStyle/>
+          <a:p>
+            <a:r>
+              <a:rPr lang="en-US" dirty="0"/>
+              <a:t>gr2sp</a:t>
             </a:r>
           </a:p>
         </p:txBody>
